--- a/120/NETCONF/draft-tgraf-netconf-yang-push-observation-time-02.pptx
+++ b/120/NETCONF/draft-tgraf-netconf-yang-push-observation-time-02.pptx
@@ -272,66 +272,6 @@
     </pc:docChg>
   </pc:docChgLst>
   <pc:docChgLst>
-    <pc:chgData name="Graf Thomas, INI-NET-VNC-HCS" userId="487bc3e3-9ce7-4cdd-b7b4-8899ea88d289" providerId="ADAL" clId="{753D0521-EE16-47B1-9EDF-5107D8AE89A8}"/>
-    <pc:docChg chg="undo custSel addSld delSld modSld">
-      <pc:chgData name="Graf Thomas, INI-NET-VNC-HCS" userId="487bc3e3-9ce7-4cdd-b7b4-8899ea88d289" providerId="ADAL" clId="{753D0521-EE16-47B1-9EDF-5107D8AE89A8}" dt="2024-07-12T08:34:36.044" v="98"/>
-      <pc:docMkLst>
-        <pc:docMk/>
-      </pc:docMkLst>
-      <pc:sldChg chg="modSp mod">
-        <pc:chgData name="Graf Thomas, INI-NET-VNC-HCS" userId="487bc3e3-9ce7-4cdd-b7b4-8899ea88d289" providerId="ADAL" clId="{753D0521-EE16-47B1-9EDF-5107D8AE89A8}" dt="2024-07-12T08:34:36.044" v="98"/>
-        <pc:sldMkLst>
-          <pc:docMk/>
-          <pc:sldMk cId="3578665336" sldId="1041"/>
-        </pc:sldMkLst>
-        <pc:spChg chg="mod">
-          <ac:chgData name="Graf Thomas, INI-NET-VNC-HCS" userId="487bc3e3-9ce7-4cdd-b7b4-8899ea88d289" providerId="ADAL" clId="{753D0521-EE16-47B1-9EDF-5107D8AE89A8}" dt="2024-07-12T08:34:36.044" v="98"/>
-          <ac:spMkLst>
-            <pc:docMk/>
-            <pc:sldMk cId="3578665336" sldId="1041"/>
-            <ac:spMk id="3" creationId="{656DC9F1-232F-64A5-3F26-259ACFB76F12}"/>
-          </ac:spMkLst>
-        </pc:spChg>
-        <pc:spChg chg="mod">
-          <ac:chgData name="Graf Thomas, INI-NET-VNC-HCS" userId="487bc3e3-9ce7-4cdd-b7b4-8899ea88d289" providerId="ADAL" clId="{753D0521-EE16-47B1-9EDF-5107D8AE89A8}" dt="2024-07-12T08:34:00.543" v="97" actId="20577"/>
-          <ac:spMkLst>
-            <pc:docMk/>
-            <pc:sldMk cId="3578665336" sldId="1041"/>
-            <ac:spMk id="5" creationId="{C26208B2-0D10-4C23-B2DE-372A62E98644}"/>
-          </ac:spMkLst>
-        </pc:spChg>
-      </pc:sldChg>
-      <pc:sldChg chg="del">
-        <pc:chgData name="Graf Thomas, INI-NET-VNC-HCS" userId="487bc3e3-9ce7-4cdd-b7b4-8899ea88d289" providerId="ADAL" clId="{753D0521-EE16-47B1-9EDF-5107D8AE89A8}" dt="2024-07-12T08:30:11.260" v="1" actId="47"/>
-        <pc:sldMkLst>
-          <pc:docMk/>
-          <pc:sldMk cId="1980732846" sldId="2145706229"/>
-        </pc:sldMkLst>
-      </pc:sldChg>
-      <pc:sldChg chg="add">
-        <pc:chgData name="Graf Thomas, INI-NET-VNC-HCS" userId="487bc3e3-9ce7-4cdd-b7b4-8899ea88d289" providerId="ADAL" clId="{753D0521-EE16-47B1-9EDF-5107D8AE89A8}" dt="2024-07-12T08:30:08.753" v="0"/>
-        <pc:sldMkLst>
-          <pc:docMk/>
-          <pc:sldMk cId="3678903494" sldId="2145706255"/>
-        </pc:sldMkLst>
-      </pc:sldChg>
-      <pc:sldChg chg="del">
-        <pc:chgData name="Graf Thomas, INI-NET-VNC-HCS" userId="487bc3e3-9ce7-4cdd-b7b4-8899ea88d289" providerId="ADAL" clId="{753D0521-EE16-47B1-9EDF-5107D8AE89A8}" dt="2024-07-12T08:30:11.260" v="1" actId="47"/>
-        <pc:sldMkLst>
-          <pc:docMk/>
-          <pc:sldMk cId="1767383836" sldId="2145706260"/>
-        </pc:sldMkLst>
-      </pc:sldChg>
-      <pc:sldChg chg="add">
-        <pc:chgData name="Graf Thomas, INI-NET-VNC-HCS" userId="487bc3e3-9ce7-4cdd-b7b4-8899ea88d289" providerId="ADAL" clId="{753D0521-EE16-47B1-9EDF-5107D8AE89A8}" dt="2024-07-12T08:30:08.753" v="0"/>
-        <pc:sldMkLst>
-          <pc:docMk/>
-          <pc:sldMk cId="22946092" sldId="2145706261"/>
-        </pc:sldMkLst>
-      </pc:sldChg>
-    </pc:docChg>
-  </pc:docChgLst>
-  <pc:docChgLst>
     <pc:chgData name="Graf Thomas, INI-NET-VNC-HCS" userId="487bc3e3-9ce7-4cdd-b7b4-8899ea88d289" providerId="ADAL" clId="{A485C89F-6634-4F10-B1FB-4C1CF1550D7C}"/>
     <pc:docChg chg="undo custSel addSld delSld modSld">
       <pc:chgData name="Graf Thomas, INI-NET-VNC-HCS" userId="487bc3e3-9ce7-4cdd-b7b4-8899ea88d289" providerId="ADAL" clId="{A485C89F-6634-4F10-B1FB-4C1CF1550D7C}" dt="2024-07-12T08:29:05.923" v="25" actId="20577"/>
@@ -408,56 +348,62 @@
     </pc:docChg>
   </pc:docChgLst>
   <pc:docChgLst>
-    <pc:chgData name="Graf Thomas, INI-NET-VNC-HCS" userId="487bc3e3-9ce7-4cdd-b7b4-8899ea88d289" providerId="ADAL" clId="{278F4D00-A84F-403D-B695-8FF15EEE87AE}"/>
-    <pc:docChg chg="modSld">
-      <pc:chgData name="Graf Thomas, INI-NET-VNC-HCS" userId="487bc3e3-9ce7-4cdd-b7b4-8899ea88d289" providerId="ADAL" clId="{278F4D00-A84F-403D-B695-8FF15EEE87AE}" dt="2024-03-15T22:52:30.548" v="19" actId="113"/>
+    <pc:chgData name="Graf Thomas, INI-NET-VNC-HCS" userId="487bc3e3-9ce7-4cdd-b7b4-8899ea88d289" providerId="ADAL" clId="{753D0521-EE16-47B1-9EDF-5107D8AE89A8}"/>
+    <pc:docChg chg="undo custSel addSld delSld modSld">
+      <pc:chgData name="Graf Thomas, INI-NET-VNC-HCS" userId="487bc3e3-9ce7-4cdd-b7b4-8899ea88d289" providerId="ADAL" clId="{753D0521-EE16-47B1-9EDF-5107D8AE89A8}" dt="2024-07-12T08:34:36.044" v="98"/>
       <pc:docMkLst>
         <pc:docMk/>
       </pc:docMkLst>
       <pc:sldChg chg="modSp mod">
-        <pc:chgData name="Graf Thomas, INI-NET-VNC-HCS" userId="487bc3e3-9ce7-4cdd-b7b4-8899ea88d289" providerId="ADAL" clId="{278F4D00-A84F-403D-B695-8FF15EEE87AE}" dt="2024-03-15T22:51:49.859" v="13" actId="20577"/>
+        <pc:chgData name="Graf Thomas, INI-NET-VNC-HCS" userId="487bc3e3-9ce7-4cdd-b7b4-8899ea88d289" providerId="ADAL" clId="{753D0521-EE16-47B1-9EDF-5107D8AE89A8}" dt="2024-07-12T08:34:36.044" v="98"/>
         <pc:sldMkLst>
           <pc:docMk/>
           <pc:sldMk cId="3578665336" sldId="1041"/>
         </pc:sldMkLst>
         <pc:spChg chg="mod">
-          <ac:chgData name="Graf Thomas, INI-NET-VNC-HCS" userId="487bc3e3-9ce7-4cdd-b7b4-8899ea88d289" providerId="ADAL" clId="{278F4D00-A84F-403D-B695-8FF15EEE87AE}" dt="2024-03-15T22:51:49.859" v="13" actId="20577"/>
+          <ac:chgData name="Graf Thomas, INI-NET-VNC-HCS" userId="487bc3e3-9ce7-4cdd-b7b4-8899ea88d289" providerId="ADAL" clId="{753D0521-EE16-47B1-9EDF-5107D8AE89A8}" dt="2024-07-12T08:34:36.044" v="98"/>
           <ac:spMkLst>
             <pc:docMk/>
             <pc:sldMk cId="3578665336" sldId="1041"/>
-            <ac:spMk id="6" creationId="{6CAA0765-1318-4A03-8F91-D3ECC43D8FA7}"/>
+            <ac:spMk id="3" creationId="{656DC9F1-232F-64A5-3F26-259ACFB76F12}"/>
+          </ac:spMkLst>
+        </pc:spChg>
+        <pc:spChg chg="mod">
+          <ac:chgData name="Graf Thomas, INI-NET-VNC-HCS" userId="487bc3e3-9ce7-4cdd-b7b4-8899ea88d289" providerId="ADAL" clId="{753D0521-EE16-47B1-9EDF-5107D8AE89A8}" dt="2024-07-12T08:34:00.543" v="97" actId="20577"/>
+          <ac:spMkLst>
+            <pc:docMk/>
+            <pc:sldMk cId="3578665336" sldId="1041"/>
+            <ac:spMk id="5" creationId="{C26208B2-0D10-4C23-B2DE-372A62E98644}"/>
           </ac:spMkLst>
         </pc:spChg>
       </pc:sldChg>
-      <pc:sldChg chg="modSp mod">
-        <pc:chgData name="Graf Thomas, INI-NET-VNC-HCS" userId="487bc3e3-9ce7-4cdd-b7b4-8899ea88d289" providerId="ADAL" clId="{278F4D00-A84F-403D-B695-8FF15EEE87AE}" dt="2024-03-15T22:51:54.685" v="14" actId="20577"/>
+      <pc:sldChg chg="del">
+        <pc:chgData name="Graf Thomas, INI-NET-VNC-HCS" userId="487bc3e3-9ce7-4cdd-b7b4-8899ea88d289" providerId="ADAL" clId="{753D0521-EE16-47B1-9EDF-5107D8AE89A8}" dt="2024-07-12T08:30:11.260" v="1" actId="47"/>
         <pc:sldMkLst>
           <pc:docMk/>
-          <pc:sldMk cId="2617504443" sldId="2145706242"/>
+          <pc:sldMk cId="1980732846" sldId="2145706229"/>
         </pc:sldMkLst>
-        <pc:spChg chg="mod">
-          <ac:chgData name="Graf Thomas, INI-NET-VNC-HCS" userId="487bc3e3-9ce7-4cdd-b7b4-8899ea88d289" providerId="ADAL" clId="{278F4D00-A84F-403D-B695-8FF15EEE87AE}" dt="2024-03-15T22:51:54.685" v="14" actId="20577"/>
-          <ac:spMkLst>
-            <pc:docMk/>
-            <pc:sldMk cId="2617504443" sldId="2145706242"/>
-            <ac:spMk id="4" creationId="{6E210162-8BA9-2D0F-F527-CE596B88B5FF}"/>
-          </ac:spMkLst>
-        </pc:spChg>
       </pc:sldChg>
-      <pc:sldChg chg="modSp mod">
-        <pc:chgData name="Graf Thomas, INI-NET-VNC-HCS" userId="487bc3e3-9ce7-4cdd-b7b4-8899ea88d289" providerId="ADAL" clId="{278F4D00-A84F-403D-B695-8FF15EEE87AE}" dt="2024-03-15T22:52:30.548" v="19" actId="113"/>
+      <pc:sldChg chg="add">
+        <pc:chgData name="Graf Thomas, INI-NET-VNC-HCS" userId="487bc3e3-9ce7-4cdd-b7b4-8899ea88d289" providerId="ADAL" clId="{753D0521-EE16-47B1-9EDF-5107D8AE89A8}" dt="2024-07-12T08:30:08.753" v="0"/>
         <pc:sldMkLst>
           <pc:docMk/>
-          <pc:sldMk cId="3471801430" sldId="2145706249"/>
+          <pc:sldMk cId="3678903494" sldId="2145706255"/>
         </pc:sldMkLst>
-        <pc:spChg chg="mod">
-          <ac:chgData name="Graf Thomas, INI-NET-VNC-HCS" userId="487bc3e3-9ce7-4cdd-b7b4-8899ea88d289" providerId="ADAL" clId="{278F4D00-A84F-403D-B695-8FF15EEE87AE}" dt="2024-03-15T22:52:30.548" v="19" actId="113"/>
-          <ac:spMkLst>
-            <pc:docMk/>
-            <pc:sldMk cId="3471801430" sldId="2145706249"/>
-            <ac:spMk id="5" creationId="{0194B37B-813A-99FE-7B78-4D87D8C30D44}"/>
-          </ac:spMkLst>
-        </pc:spChg>
+      </pc:sldChg>
+      <pc:sldChg chg="del">
+        <pc:chgData name="Graf Thomas, INI-NET-VNC-HCS" userId="487bc3e3-9ce7-4cdd-b7b4-8899ea88d289" providerId="ADAL" clId="{753D0521-EE16-47B1-9EDF-5107D8AE89A8}" dt="2024-07-12T08:30:11.260" v="1" actId="47"/>
+        <pc:sldMkLst>
+          <pc:docMk/>
+          <pc:sldMk cId="1767383836" sldId="2145706260"/>
+        </pc:sldMkLst>
+      </pc:sldChg>
+      <pc:sldChg chg="add">
+        <pc:chgData name="Graf Thomas, INI-NET-VNC-HCS" userId="487bc3e3-9ce7-4cdd-b7b4-8899ea88d289" providerId="ADAL" clId="{753D0521-EE16-47B1-9EDF-5107D8AE89A8}" dt="2024-07-12T08:30:08.753" v="0"/>
+        <pc:sldMkLst>
+          <pc:docMk/>
+          <pc:sldMk cId="22946092" sldId="2145706261"/>
+        </pc:sldMkLst>
       </pc:sldChg>
     </pc:docChg>
   </pc:docChgLst>
@@ -670,6 +616,60 @@
       </pc:sldChg>
     </pc:docChg>
   </pc:docChgLst>
+  <pc:docChgLst>
+    <pc:chgData name="Graf Thomas, INI-NET-VNC-HCS" userId="487bc3e3-9ce7-4cdd-b7b4-8899ea88d289" providerId="ADAL" clId="{278F4D00-A84F-403D-B695-8FF15EEE87AE}"/>
+    <pc:docChg chg="modSld">
+      <pc:chgData name="Graf Thomas, INI-NET-VNC-HCS" userId="487bc3e3-9ce7-4cdd-b7b4-8899ea88d289" providerId="ADAL" clId="{278F4D00-A84F-403D-B695-8FF15EEE87AE}" dt="2024-03-15T22:52:30.548" v="19" actId="113"/>
+      <pc:docMkLst>
+        <pc:docMk/>
+      </pc:docMkLst>
+      <pc:sldChg chg="modSp mod">
+        <pc:chgData name="Graf Thomas, INI-NET-VNC-HCS" userId="487bc3e3-9ce7-4cdd-b7b4-8899ea88d289" providerId="ADAL" clId="{278F4D00-A84F-403D-B695-8FF15EEE87AE}" dt="2024-03-15T22:51:49.859" v="13" actId="20577"/>
+        <pc:sldMkLst>
+          <pc:docMk/>
+          <pc:sldMk cId="3578665336" sldId="1041"/>
+        </pc:sldMkLst>
+        <pc:spChg chg="mod">
+          <ac:chgData name="Graf Thomas, INI-NET-VNC-HCS" userId="487bc3e3-9ce7-4cdd-b7b4-8899ea88d289" providerId="ADAL" clId="{278F4D00-A84F-403D-B695-8FF15EEE87AE}" dt="2024-03-15T22:51:49.859" v="13" actId="20577"/>
+          <ac:spMkLst>
+            <pc:docMk/>
+            <pc:sldMk cId="3578665336" sldId="1041"/>
+            <ac:spMk id="6" creationId="{6CAA0765-1318-4A03-8F91-D3ECC43D8FA7}"/>
+          </ac:spMkLst>
+        </pc:spChg>
+      </pc:sldChg>
+      <pc:sldChg chg="modSp mod">
+        <pc:chgData name="Graf Thomas, INI-NET-VNC-HCS" userId="487bc3e3-9ce7-4cdd-b7b4-8899ea88d289" providerId="ADAL" clId="{278F4D00-A84F-403D-B695-8FF15EEE87AE}" dt="2024-03-15T22:51:54.685" v="14" actId="20577"/>
+        <pc:sldMkLst>
+          <pc:docMk/>
+          <pc:sldMk cId="2617504443" sldId="2145706242"/>
+        </pc:sldMkLst>
+        <pc:spChg chg="mod">
+          <ac:chgData name="Graf Thomas, INI-NET-VNC-HCS" userId="487bc3e3-9ce7-4cdd-b7b4-8899ea88d289" providerId="ADAL" clId="{278F4D00-A84F-403D-B695-8FF15EEE87AE}" dt="2024-03-15T22:51:54.685" v="14" actId="20577"/>
+          <ac:spMkLst>
+            <pc:docMk/>
+            <pc:sldMk cId="2617504443" sldId="2145706242"/>
+            <ac:spMk id="4" creationId="{6E210162-8BA9-2D0F-F527-CE596B88B5FF}"/>
+          </ac:spMkLst>
+        </pc:spChg>
+      </pc:sldChg>
+      <pc:sldChg chg="modSp mod">
+        <pc:chgData name="Graf Thomas, INI-NET-VNC-HCS" userId="487bc3e3-9ce7-4cdd-b7b4-8899ea88d289" providerId="ADAL" clId="{278F4D00-A84F-403D-B695-8FF15EEE87AE}" dt="2024-03-15T22:52:30.548" v="19" actId="113"/>
+        <pc:sldMkLst>
+          <pc:docMk/>
+          <pc:sldMk cId="3471801430" sldId="2145706249"/>
+        </pc:sldMkLst>
+        <pc:spChg chg="mod">
+          <ac:chgData name="Graf Thomas, INI-NET-VNC-HCS" userId="487bc3e3-9ce7-4cdd-b7b4-8899ea88d289" providerId="ADAL" clId="{278F4D00-A84F-403D-B695-8FF15EEE87AE}" dt="2024-03-15T22:52:30.548" v="19" actId="113"/>
+          <ac:spMkLst>
+            <pc:docMk/>
+            <pc:sldMk cId="3471801430" sldId="2145706249"/>
+            <ac:spMk id="5" creationId="{0194B37B-813A-99FE-7B78-4D87D8C30D44}"/>
+          </ac:spMkLst>
+        </pc:spChg>
+      </pc:sldChg>
+    </pc:docChg>
+  </pc:docChgLst>
 </pc:chgInfo>
 </file>
 
@@ -755,7 +755,7 @@
           <a:p>
             <a:fld id="{E5E705E9-673F-4AC4-B29E-A7B26F3B8523}" type="datetimeFigureOut">
               <a:rPr lang="de-CH" smtClean="0"/>
-              <a:t>12.07.2024</a:t>
+              <a:t>17.07.2024</a:t>
             </a:fld>
             <a:endParaRPr lang="de-CH"/>
           </a:p>
@@ -1424,7 +1424,7 @@
           <a:p>
             <a:fld id="{9E9B238C-2335-4007-98C9-471C02CC43B6}" type="datetimeFigureOut">
               <a:rPr lang="de-CH" smtClean="0"/>
-              <a:t>12.07.2024</a:t>
+              <a:t>17.07.2024</a:t>
             </a:fld>
             <a:endParaRPr lang="de-CH"/>
           </a:p>
@@ -1624,7 +1624,7 @@
           <a:p>
             <a:fld id="{9E9B238C-2335-4007-98C9-471C02CC43B6}" type="datetimeFigureOut">
               <a:rPr lang="de-CH" smtClean="0"/>
-              <a:t>12.07.2024</a:t>
+              <a:t>17.07.2024</a:t>
             </a:fld>
             <a:endParaRPr lang="de-CH"/>
           </a:p>
@@ -1834,7 +1834,7 @@
           <a:p>
             <a:fld id="{9E9B238C-2335-4007-98C9-471C02CC43B6}" type="datetimeFigureOut">
               <a:rPr lang="de-CH" smtClean="0"/>
-              <a:t>12.07.2024</a:t>
+              <a:t>17.07.2024</a:t>
             </a:fld>
             <a:endParaRPr lang="de-CH"/>
           </a:p>
@@ -2263,7 +2263,7 @@
           <a:p>
             <a:fld id="{9E9B238C-2335-4007-98C9-471C02CC43B6}" type="datetimeFigureOut">
               <a:rPr lang="de-CH" smtClean="0"/>
-              <a:t>12.07.2024</a:t>
+              <a:t>17.07.2024</a:t>
             </a:fld>
             <a:endParaRPr lang="de-CH"/>
           </a:p>
@@ -2539,7 +2539,7 @@
           <a:p>
             <a:fld id="{9E9B238C-2335-4007-98C9-471C02CC43B6}" type="datetimeFigureOut">
               <a:rPr lang="de-CH" smtClean="0"/>
-              <a:t>12.07.2024</a:t>
+              <a:t>17.07.2024</a:t>
             </a:fld>
             <a:endParaRPr lang="de-CH"/>
           </a:p>
@@ -2807,7 +2807,7 @@
           <a:p>
             <a:fld id="{9E9B238C-2335-4007-98C9-471C02CC43B6}" type="datetimeFigureOut">
               <a:rPr lang="de-CH" smtClean="0"/>
-              <a:t>12.07.2024</a:t>
+              <a:t>17.07.2024</a:t>
             </a:fld>
             <a:endParaRPr lang="de-CH"/>
           </a:p>
@@ -3222,7 +3222,7 @@
           <a:p>
             <a:fld id="{9E9B238C-2335-4007-98C9-471C02CC43B6}" type="datetimeFigureOut">
               <a:rPr lang="de-CH" smtClean="0"/>
-              <a:t>12.07.2024</a:t>
+              <a:t>17.07.2024</a:t>
             </a:fld>
             <a:endParaRPr lang="de-CH"/>
           </a:p>
@@ -3364,7 +3364,7 @@
           <a:p>
             <a:fld id="{9E9B238C-2335-4007-98C9-471C02CC43B6}" type="datetimeFigureOut">
               <a:rPr lang="de-CH" smtClean="0"/>
-              <a:t>12.07.2024</a:t>
+              <a:t>17.07.2024</a:t>
             </a:fld>
             <a:endParaRPr lang="de-CH"/>
           </a:p>
@@ -3477,7 +3477,7 @@
           <a:p>
             <a:fld id="{9E9B238C-2335-4007-98C9-471C02CC43B6}" type="datetimeFigureOut">
               <a:rPr lang="de-CH" smtClean="0"/>
-              <a:t>12.07.2024</a:t>
+              <a:t>17.07.2024</a:t>
             </a:fld>
             <a:endParaRPr lang="de-CH"/>
           </a:p>
@@ -3790,7 +3790,7 @@
           <a:p>
             <a:fld id="{9E9B238C-2335-4007-98C9-471C02CC43B6}" type="datetimeFigureOut">
               <a:rPr lang="de-CH" smtClean="0"/>
-              <a:t>12.07.2024</a:t>
+              <a:t>17.07.2024</a:t>
             </a:fld>
             <a:endParaRPr lang="de-CH"/>
           </a:p>
@@ -4079,7 +4079,7 @@
           <a:p>
             <a:fld id="{9E9B238C-2335-4007-98C9-471C02CC43B6}" type="datetimeFigureOut">
               <a:rPr lang="de-CH" smtClean="0"/>
-              <a:t>12.07.2024</a:t>
+              <a:t>17.07.2024</a:t>
             </a:fld>
             <a:endParaRPr lang="de-CH"/>
           </a:p>
@@ -4322,7 +4322,7 @@
           <a:p>
             <a:fld id="{9E9B238C-2335-4007-98C9-471C02CC43B6}" type="datetimeFigureOut">
               <a:rPr lang="de-CH" smtClean="0"/>
-              <a:t>12.07.2024</a:t>
+              <a:t>17.07.2024</a:t>
             </a:fld>
             <a:endParaRPr lang="de-CH"/>
           </a:p>
@@ -5133,7 +5133,7 @@
               <a:rPr lang="de-CH" sz="3800" dirty="0">
                 <a:latin typeface="+mj-lt"/>
               </a:rPr>
-              <a:t>12. </a:t>
+              <a:t>17. </a:t>
             </a:r>
             <a:r>
               <a:rPr lang="de-CH" sz="3800" dirty="0" err="1">
@@ -6932,7 +6932,17 @@
             </a:pPr>
             <a:r>
               <a:rPr lang="en-US" sz="1700" dirty="0"/>
-              <a:t>YANG-Push observation timestamping capability is now discoverable by extending YANG-related system capabilities defined in RFC 9196. </a:t>
+              <a:t>YANG-Push observation timestamping capability is now discoverable by extending YANG-related system capabilities defined in </a:t>
+            </a:r>
+            <a:r>
+              <a:rPr lang="en-US" sz="1700" dirty="0">
+                <a:hlinkClick r:id="rId3"/>
+              </a:rPr>
+              <a:t>RFC 9196</a:t>
+            </a:r>
+            <a:r>
+              <a:rPr lang="en-US" sz="1700" dirty="0"/>
+              <a:t>. </a:t>
             </a:r>
           </a:p>
           <a:p>

--- a/120/NETCONF/draft-tgraf-netconf-yang-push-observation-time-02.pptx
+++ b/120/NETCONF/draft-tgraf-netconf-yang-push-observation-time-02.pptx
@@ -11,7 +11,7 @@
     <p:sldId id="1041" r:id="rId2"/>
     <p:sldId id="2145706255" r:id="rId3"/>
     <p:sldId id="2145706261" r:id="rId4"/>
-    <p:sldId id="2145706251" r:id="rId5"/>
+    <p:sldId id="2145706267" r:id="rId5"/>
     <p:sldId id="2145706266" r:id="rId6"/>
   </p:sldIdLst>
   <p:sldSz cx="12192000" cy="6858000"/>
@@ -7072,7 +7072,7 @@
         </p:nvSpPr>
         <p:spPr>
           <a:xfrm>
-            <a:off x="11587892" y="6361637"/>
+            <a:off x="11587893" y="6361638"/>
             <a:ext cx="414251" cy="365125"/>
           </a:xfrm>
         </p:spPr>
@@ -7080,11 +7080,27 @@
           <a:bodyPr/>
           <a:lstStyle/>
           <a:p>
+            <a:pPr defTabSz="914377"/>
             <a:fld id="{FC4AC485-25DE-431E-B345-9C0A15BB7F8A}" type="slidenum">
-              <a:rPr lang="de-CH" sz="1400" smtClean="0"/>
+              <a:rPr lang="de-CH" sz="1400">
+                <a:solidFill>
+                  <a:prstClr val="black">
+                    <a:tint val="75000"/>
+                  </a:prstClr>
+                </a:solidFill>
+                <a:latin typeface="Calibri" panose="020F0502020204030204"/>
+              </a:rPr>
+              <a:pPr defTabSz="914377"/>
               <a:t>4</a:t>
             </a:fld>
-            <a:endParaRPr lang="de-CH" sz="1400" dirty="0"/>
+            <a:endParaRPr lang="de-CH" sz="1400" dirty="0">
+              <a:solidFill>
+                <a:prstClr val="black">
+                  <a:tint val="75000"/>
+                </a:prstClr>
+              </a:solidFill>
+              <a:latin typeface="Calibri" panose="020F0502020204030204"/>
+            </a:endParaRPr>
           </a:p>
         </p:txBody>
       </p:sp>
@@ -7155,17 +7171,11 @@
           <p:cNvGraphicFramePr>
             <a:graphicFrameLocks noGrp="1"/>
           </p:cNvGraphicFramePr>
-          <p:nvPr>
-            <p:extLst>
-              <p:ext uri="{D42A27DB-BD31-4B8C-83A1-F6EECF244321}">
-                <p14:modId xmlns:p14="http://schemas.microsoft.com/office/powerpoint/2010/main" val="3535465724"/>
-              </p:ext>
-            </p:extLst>
-          </p:nvPr>
+          <p:nvPr/>
         </p:nvGraphicFramePr>
         <p:xfrm>
-          <a:off x="942392" y="1929591"/>
-          <a:ext cx="8117632" cy="4432046"/>
+          <a:off x="942393" y="1802656"/>
+          <a:ext cx="8117633" cy="4837837"/>
         </p:xfrm>
         <a:graphic>
           <a:graphicData uri="http://schemas.openxmlformats.org/drawingml/2006/table">
@@ -7186,7 +7196,7 @@
                     </a:ext>
                   </a:extLst>
                 </a:gridCol>
-                <a:gridCol w="895738">
+                <a:gridCol w="895739">
                   <a:extLst>
                     <a:ext uri="{9D8B030D-6E8A-4147-A177-3AD203B41FA5}">
                       <a16:colId xmlns:a16="http://schemas.microsoft.com/office/drawing/2014/main" val="4030142434"/>
@@ -7926,7 +7936,14 @@
                           <a:effectLst/>
                           <a:latin typeface="+mn-lt"/>
                         </a:rPr>
-                        <a:t>RFC 8641 YANG-Push</a:t>
+                        <a:t>RFC 8639 YANG-Push </a:t>
+                      </a:r>
+                      <a:r>
+                        <a:rPr lang="de-CH" sz="2000" u="none" strike="noStrike" dirty="0" err="1">
+                          <a:effectLst/>
+                          <a:latin typeface="+mn-lt"/>
+                        </a:rPr>
+                        <a:t>Subscription</a:t>
                       </a:r>
                       <a:endParaRPr lang="de-CH" sz="2000" b="0" i="0" u="none" strike="noStrike" dirty="0">
                         <a:solidFill>
@@ -8220,13 +8237,13 @@
                     <a:p>
                       <a:pPr algn="ctr" fontAlgn="b"/>
                       <a:r>
-                        <a:rPr lang="de-CH" sz="2000" u="none" strike="noStrike">
+                        <a:rPr lang="de-CH" sz="2000" u="none" strike="noStrike" dirty="0">
                           <a:effectLst/>
                           <a:latin typeface="+mn-lt"/>
                         </a:rPr>
                         <a:t>x</a:t>
                       </a:r>
-                      <a:endParaRPr lang="de-CH" sz="2000" b="0" i="0" u="none" strike="noStrike">
+                      <a:endParaRPr lang="de-CH" sz="2000" b="0" i="0" u="none" strike="noStrike" dirty="0">
                         <a:solidFill>
                           <a:srgbClr val="000000"/>
                         </a:solidFill>
@@ -8368,16 +8385,13 @@
                     </a:lstStyle>
                     <a:p>
                       <a:pPr algn="ctr" fontAlgn="b"/>
-                      <a:r>
-                        <a:rPr lang="de-CH" sz="2000" b="0" i="0" u="none" strike="noStrike" dirty="0">
-                          <a:solidFill>
-                            <a:srgbClr val="FF0000"/>
-                          </a:solidFill>
-                          <a:effectLst/>
-                          <a:latin typeface="+mn-lt"/>
-                        </a:rPr>
-                        <a:t>x</a:t>
-                      </a:r>
+                      <a:endParaRPr lang="de-CH" sz="2000" b="0" i="0" u="none" strike="noStrike" dirty="0">
+                        <a:solidFill>
+                          <a:srgbClr val="FF0000"/>
+                        </a:solidFill>
+                        <a:effectLst/>
+                        <a:latin typeface="+mn-lt"/>
+                      </a:endParaRPr>
                     </a:p>
                   </a:txBody>
                   <a:tcPr marL="9525" marR="9525" marT="9525" marB="0" anchor="b">
@@ -8419,6 +8433,336 @@
                 <a:extLst>
                   <a:ext uri="{0D108BD9-81ED-4DB2-BD59-A6C34878D82A}">
                     <a16:rowId xmlns:a16="http://schemas.microsoft.com/office/drawing/2014/main" val="3444263626"/>
+                  </a:ext>
+                </a:extLst>
+              </a:tr>
+              <a:tr h="405791">
+                <a:tc>
+                  <a:txBody>
+                    <a:bodyPr/>
+                    <a:lstStyle/>
+                    <a:p>
+                      <a:pPr marL="91440" algn="l" fontAlgn="b"/>
+                      <a:r>
+                        <a:rPr lang="de-CH" sz="2000" u="none" strike="noStrike" dirty="0">
+                          <a:effectLst/>
+                          <a:latin typeface="+mn-lt"/>
+                        </a:rPr>
+                        <a:t>RFC 8641 YANG-Push </a:t>
+                      </a:r>
+                      <a:r>
+                        <a:rPr lang="de-CH" sz="2000" u="none" strike="noStrike" dirty="0" err="1">
+                          <a:effectLst/>
+                          <a:latin typeface="+mn-lt"/>
+                        </a:rPr>
+                        <a:t>Notification</a:t>
+                      </a:r>
+                      <a:endParaRPr lang="de-CH" sz="2000" b="0" i="0" u="none" strike="noStrike" dirty="0">
+                        <a:solidFill>
+                          <a:srgbClr val="000000"/>
+                        </a:solidFill>
+                        <a:effectLst/>
+                        <a:latin typeface="+mn-lt"/>
+                      </a:endParaRPr>
+                    </a:p>
+                  </a:txBody>
+                  <a:tcPr marL="9525" marR="9525" marT="9525" marB="0" anchor="b">
+                    <a:lnL w="12700" cmpd="sng">
+                      <a:solidFill>
+                        <a:srgbClr val="FFFFFF"/>
+                      </a:solidFill>
+                    </a:lnL>
+                    <a:lnR w="12700" cap="flat" cmpd="sng" algn="ctr">
+                      <a:solidFill>
+                        <a:srgbClr val="FFFFFF"/>
+                      </a:solidFill>
+                      <a:prstDash val="solid"/>
+                      <a:round/>
+                      <a:headEnd type="none" w="med" len="med"/>
+                      <a:tailEnd type="none" w="med" len="med"/>
+                    </a:lnR>
+                    <a:lnT w="12700" cap="flat" cmpd="sng" algn="ctr">
+                      <a:solidFill>
+                        <a:srgbClr val="FFFFFF"/>
+                      </a:solidFill>
+                      <a:prstDash val="solid"/>
+                      <a:round/>
+                      <a:headEnd type="none" w="med" len="med"/>
+                      <a:tailEnd type="none" w="med" len="med"/>
+                    </a:lnT>
+                    <a:lnB w="12700" cmpd="sng">
+                      <a:solidFill>
+                        <a:srgbClr val="FFFFFF"/>
+                      </a:solidFill>
+                    </a:lnB>
+                    <a:lnTlToBr w="12700" cmpd="sng">
+                      <a:noFill/>
+                      <a:prstDash val="solid"/>
+                    </a:lnTlToBr>
+                    <a:lnBlToTr w="12700" cmpd="sng">
+                      <a:noFill/>
+                      <a:prstDash val="solid"/>
+                    </a:lnBlToTr>
+                    <a:solidFill>
+                      <a:srgbClr val="8064A2">
+                        <a:tint val="20000"/>
+                      </a:srgbClr>
+                    </a:solidFill>
+                  </a:tcPr>
+                </a:tc>
+                <a:tc>
+                  <a:txBody>
+                    <a:bodyPr/>
+                    <a:lstStyle/>
+                    <a:p>
+                      <a:pPr marL="0" marR="0" lvl="0" indent="0" algn="ctr" defTabSz="685800" rtl="0" eaLnBrk="1" fontAlgn="b" latinLnBrk="0" hangingPunct="1">
+                        <a:lnSpc>
+                          <a:spcPct val="100000"/>
+                        </a:lnSpc>
+                        <a:spcBef>
+                          <a:spcPts val="0"/>
+                        </a:spcBef>
+                        <a:spcAft>
+                          <a:spcPts val="0"/>
+                        </a:spcAft>
+                        <a:buClrTx/>
+                        <a:buSzTx/>
+                        <a:buFontTx/>
+                        <a:buNone/>
+                        <a:tabLst/>
+                        <a:defRPr/>
+                      </a:pPr>
+                      <a:r>
+                        <a:rPr lang="de-CH" sz="2000" u="none" strike="noStrike" dirty="0">
+                          <a:effectLst/>
+                          <a:latin typeface="+mn-lt"/>
+                        </a:rPr>
+                        <a:t>x</a:t>
+                      </a:r>
+                      <a:endParaRPr lang="de-CH" sz="2000" b="0" i="0" u="none" strike="noStrike" dirty="0">
+                        <a:solidFill>
+                          <a:srgbClr val="000000"/>
+                        </a:solidFill>
+                        <a:effectLst/>
+                        <a:latin typeface="+mn-lt"/>
+                      </a:endParaRPr>
+                    </a:p>
+                  </a:txBody>
+                  <a:tcPr marL="9525" marR="9525" marT="9525" marB="0" anchor="b">
+                    <a:lnL w="12700" cap="flat" cmpd="sng" algn="ctr">
+                      <a:solidFill>
+                        <a:srgbClr val="FFFFFF"/>
+                      </a:solidFill>
+                      <a:prstDash val="solid"/>
+                      <a:round/>
+                      <a:headEnd type="none" w="med" len="med"/>
+                      <a:tailEnd type="none" w="med" len="med"/>
+                    </a:lnL>
+                    <a:lnR w="12700" cap="flat" cmpd="sng" algn="ctr">
+                      <a:solidFill>
+                        <a:srgbClr val="FFFFFF"/>
+                      </a:solidFill>
+                      <a:prstDash val="solid"/>
+                      <a:round/>
+                      <a:headEnd type="none" w="med" len="med"/>
+                      <a:tailEnd type="none" w="med" len="med"/>
+                    </a:lnR>
+                    <a:lnT w="12700" cap="flat" cmpd="sng" algn="ctr">
+                      <a:solidFill>
+                        <a:srgbClr val="FFFFFF"/>
+                      </a:solidFill>
+                      <a:prstDash val="solid"/>
+                      <a:round/>
+                      <a:headEnd type="none" w="med" len="med"/>
+                      <a:tailEnd type="none" w="med" len="med"/>
+                    </a:lnT>
+                    <a:lnB w="12700" cmpd="sng">
+                      <a:solidFill>
+                        <a:srgbClr val="FFFFFF"/>
+                      </a:solidFill>
+                    </a:lnB>
+                    <a:lnTlToBr w="12700" cmpd="sng">
+                      <a:noFill/>
+                      <a:prstDash val="solid"/>
+                    </a:lnTlToBr>
+                    <a:lnBlToTr w="12700" cmpd="sng">
+                      <a:noFill/>
+                      <a:prstDash val="solid"/>
+                    </a:lnBlToTr>
+                    <a:solidFill>
+                      <a:srgbClr val="8064A2">
+                        <a:tint val="20000"/>
+                      </a:srgbClr>
+                    </a:solidFill>
+                  </a:tcPr>
+                </a:tc>
+                <a:tc>
+                  <a:txBody>
+                    <a:bodyPr/>
+                    <a:lstStyle/>
+                    <a:p>
+                      <a:pPr marL="0" marR="0" lvl="0" indent="0" algn="ctr" defTabSz="685800" rtl="0" eaLnBrk="1" fontAlgn="b" latinLnBrk="0" hangingPunct="1">
+                        <a:lnSpc>
+                          <a:spcPct val="100000"/>
+                        </a:lnSpc>
+                        <a:spcBef>
+                          <a:spcPts val="0"/>
+                        </a:spcBef>
+                        <a:spcAft>
+                          <a:spcPts val="0"/>
+                        </a:spcAft>
+                        <a:buClrTx/>
+                        <a:buSzTx/>
+                        <a:buFontTx/>
+                        <a:buNone/>
+                        <a:tabLst/>
+                        <a:defRPr/>
+                      </a:pPr>
+                      <a:r>
+                        <a:rPr lang="de-CH" sz="2000" u="none" strike="noStrike" dirty="0">
+                          <a:effectLst/>
+                          <a:latin typeface="+mn-lt"/>
+                        </a:rPr>
+                        <a:t>x</a:t>
+                      </a:r>
+                      <a:endParaRPr lang="de-CH" sz="2000" b="0" i="0" u="none" strike="noStrike" dirty="0">
+                        <a:solidFill>
+                          <a:srgbClr val="000000"/>
+                        </a:solidFill>
+                        <a:effectLst/>
+                        <a:latin typeface="+mn-lt"/>
+                      </a:endParaRPr>
+                    </a:p>
+                  </a:txBody>
+                  <a:tcPr marL="9525" marR="9525" marT="9525" marB="0" anchor="b">
+                    <a:lnL w="12700" cap="flat" cmpd="sng" algn="ctr">
+                      <a:solidFill>
+                        <a:srgbClr val="FFFFFF"/>
+                      </a:solidFill>
+                      <a:prstDash val="solid"/>
+                      <a:round/>
+                      <a:headEnd type="none" w="med" len="med"/>
+                      <a:tailEnd type="none" w="med" len="med"/>
+                    </a:lnL>
+                    <a:lnR w="12700" cap="flat" cmpd="sng" algn="ctr">
+                      <a:solidFill>
+                        <a:srgbClr val="FFFFFF"/>
+                      </a:solidFill>
+                      <a:prstDash val="solid"/>
+                      <a:round/>
+                      <a:headEnd type="none" w="med" len="med"/>
+                      <a:tailEnd type="none" w="med" len="med"/>
+                    </a:lnR>
+                    <a:lnT w="12700" cap="flat" cmpd="sng" algn="ctr">
+                      <a:solidFill>
+                        <a:srgbClr val="FFFFFF"/>
+                      </a:solidFill>
+                      <a:prstDash val="solid"/>
+                      <a:round/>
+                      <a:headEnd type="none" w="med" len="med"/>
+                      <a:tailEnd type="none" w="med" len="med"/>
+                    </a:lnT>
+                    <a:lnB w="12700" cmpd="sng">
+                      <a:solidFill>
+                        <a:srgbClr val="FFFFFF"/>
+                      </a:solidFill>
+                    </a:lnB>
+                    <a:lnTlToBr w="12700" cmpd="sng">
+                      <a:noFill/>
+                      <a:prstDash val="solid"/>
+                    </a:lnTlToBr>
+                    <a:lnBlToTr w="12700" cmpd="sng">
+                      <a:noFill/>
+                      <a:prstDash val="solid"/>
+                    </a:lnBlToTr>
+                    <a:solidFill>
+                      <a:srgbClr val="8064A2">
+                        <a:tint val="20000"/>
+                      </a:srgbClr>
+                    </a:solidFill>
+                  </a:tcPr>
+                </a:tc>
+                <a:tc>
+                  <a:txBody>
+                    <a:bodyPr/>
+                    <a:lstStyle/>
+                    <a:p>
+                      <a:pPr marL="0" marR="0" lvl="0" indent="0" algn="ctr" defTabSz="685800" rtl="0" eaLnBrk="1" fontAlgn="b" latinLnBrk="0" hangingPunct="1">
+                        <a:lnSpc>
+                          <a:spcPct val="100000"/>
+                        </a:lnSpc>
+                        <a:spcBef>
+                          <a:spcPts val="0"/>
+                        </a:spcBef>
+                        <a:spcAft>
+                          <a:spcPts val="0"/>
+                        </a:spcAft>
+                        <a:buClrTx/>
+                        <a:buSzTx/>
+                        <a:buFontTx/>
+                        <a:buNone/>
+                        <a:tabLst/>
+                        <a:defRPr/>
+                      </a:pPr>
+                      <a:r>
+                        <a:rPr lang="de-CH" sz="2000" b="0" i="0" u="none" strike="noStrike" dirty="0">
+                          <a:solidFill>
+                            <a:srgbClr val="FF0000"/>
+                          </a:solidFill>
+                          <a:effectLst/>
+                          <a:latin typeface="+mn-lt"/>
+                        </a:rPr>
+                        <a:t>x</a:t>
+                      </a:r>
+                    </a:p>
+                  </a:txBody>
+                  <a:tcPr marL="9525" marR="9525" marT="9525" marB="0" anchor="b">
+                    <a:lnL w="12700" cap="flat" cmpd="sng" algn="ctr">
+                      <a:solidFill>
+                        <a:srgbClr val="FFFFFF"/>
+                      </a:solidFill>
+                      <a:prstDash val="solid"/>
+                      <a:round/>
+                      <a:headEnd type="none" w="med" len="med"/>
+                      <a:tailEnd type="none" w="med" len="med"/>
+                    </a:lnL>
+                    <a:lnR w="12700" cmpd="sng">
+                      <a:solidFill>
+                        <a:srgbClr val="FFFFFF"/>
+                      </a:solidFill>
+                    </a:lnR>
+                    <a:lnT w="12700" cap="flat" cmpd="sng" algn="ctr">
+                      <a:solidFill>
+                        <a:srgbClr val="FFFFFF"/>
+                      </a:solidFill>
+                      <a:prstDash val="solid"/>
+                      <a:round/>
+                      <a:headEnd type="none" w="med" len="med"/>
+                      <a:tailEnd type="none" w="med" len="med"/>
+                    </a:lnT>
+                    <a:lnB w="12700" cmpd="sng">
+                      <a:solidFill>
+                        <a:srgbClr val="FFFFFF"/>
+                      </a:solidFill>
+                    </a:lnB>
+                    <a:lnTlToBr w="12700" cmpd="sng">
+                      <a:noFill/>
+                      <a:prstDash val="solid"/>
+                    </a:lnTlToBr>
+                    <a:lnBlToTr w="12700" cmpd="sng">
+                      <a:noFill/>
+                      <a:prstDash val="solid"/>
+                    </a:lnBlToTr>
+                    <a:solidFill>
+                      <a:srgbClr val="8064A2">
+                        <a:tint val="20000"/>
+                      </a:srgbClr>
+                    </a:solidFill>
+                  </a:tcPr>
+                </a:tc>
+                <a:extLst>
+                  <a:ext uri="{0D108BD9-81ED-4DB2-BD59-A6C34878D82A}">
+                    <a16:rowId xmlns:a16="http://schemas.microsoft.com/office/drawing/2014/main" val="3113070191"/>
                   </a:ext>
                 </a:extLst>
               </a:tr>
@@ -13546,7 +13890,7 @@
         </p:blipFill>
         <p:spPr>
           <a:xfrm>
-            <a:off x="9266108" y="1802655"/>
+            <a:off x="9266109" y="1802655"/>
             <a:ext cx="2666708" cy="2666708"/>
           </a:xfrm>
           <a:prstGeom prst="rect">
@@ -13557,7 +13901,7 @@
     </p:spTree>
     <p:extLst>
       <p:ext uri="{BB962C8B-B14F-4D97-AF65-F5344CB8AC3E}">
-        <p14:creationId xmlns:p14="http://schemas.microsoft.com/office/powerpoint/2010/main" val="2799895506"/>
+        <p14:creationId xmlns:p14="http://schemas.microsoft.com/office/powerpoint/2010/main" val="2481296564"/>
       </p:ext>
     </p:extLst>
   </p:cSld>
